--- a/Pitch Presentations/Presentation 2 - 12.11.18.pptx
+++ b/Pitch Presentations/Presentation 2 - 12.11.18.pptx
@@ -5,28 +5,31 @@
     <p:sldMasterId id="2147483738" r:id="rId1"/>
   </p:sldMasterIdLst>
   <p:notesMasterIdLst>
-    <p:notesMasterId r:id="rId21"/>
+    <p:notesMasterId r:id="rId24"/>
   </p:notesMasterIdLst>
   <p:sldIdLst>
     <p:sldId id="263" r:id="rId2"/>
     <p:sldId id="294" r:id="rId3"/>
-    <p:sldId id="297" r:id="rId4"/>
-    <p:sldId id="298" r:id="rId5"/>
-    <p:sldId id="299" r:id="rId6"/>
-    <p:sldId id="302" r:id="rId7"/>
-    <p:sldId id="303" r:id="rId8"/>
-    <p:sldId id="304" r:id="rId9"/>
-    <p:sldId id="305" r:id="rId10"/>
-    <p:sldId id="289" r:id="rId11"/>
-    <p:sldId id="306" r:id="rId12"/>
-    <p:sldId id="307" r:id="rId13"/>
-    <p:sldId id="308" r:id="rId14"/>
-    <p:sldId id="309" r:id="rId15"/>
-    <p:sldId id="310" r:id="rId16"/>
-    <p:sldId id="311" r:id="rId17"/>
-    <p:sldId id="295" r:id="rId18"/>
-    <p:sldId id="296" r:id="rId19"/>
-    <p:sldId id="269" r:id="rId20"/>
+    <p:sldId id="313" r:id="rId4"/>
+    <p:sldId id="314" r:id="rId5"/>
+    <p:sldId id="312" r:id="rId6"/>
+    <p:sldId id="297" r:id="rId7"/>
+    <p:sldId id="298" r:id="rId8"/>
+    <p:sldId id="299" r:id="rId9"/>
+    <p:sldId id="302" r:id="rId10"/>
+    <p:sldId id="303" r:id="rId11"/>
+    <p:sldId id="304" r:id="rId12"/>
+    <p:sldId id="305" r:id="rId13"/>
+    <p:sldId id="289" r:id="rId14"/>
+    <p:sldId id="306" r:id="rId15"/>
+    <p:sldId id="307" r:id="rId16"/>
+    <p:sldId id="308" r:id="rId17"/>
+    <p:sldId id="309" r:id="rId18"/>
+    <p:sldId id="310" r:id="rId19"/>
+    <p:sldId id="311" r:id="rId20"/>
+    <p:sldId id="295" r:id="rId21"/>
+    <p:sldId id="296" r:id="rId22"/>
+    <p:sldId id="269" r:id="rId23"/>
   </p:sldIdLst>
   <p:sldSz cx="12192000" cy="6858000"/>
   <p:notesSz cx="6858000" cy="9144000"/>
@@ -527,70 +530,7 @@
           <a:bodyPr/>
           <a:lstStyle/>
           <a:p>
-            <a:r>
-              <a:rPr lang="en-GB" dirty="0"/>
-              <a:t>Jesse Schell, the art of design (</a:t>
-            </a:r>
-            <a:r>
-              <a:rPr lang="en-GB" dirty="0" err="1"/>
-              <a:t>demograpphics</a:t>
-            </a:r>
-            <a:r>
-              <a:rPr lang="en-GB" dirty="0"/>
-              <a:t>)</a:t>
-            </a:r>
-          </a:p>
-          <a:p>
             <a:endParaRPr lang="en-GB" dirty="0"/>
-          </a:p>
-          <a:p>
-            <a:r>
-              <a:rPr lang="en-GB" dirty="0"/>
-              <a:t>Bartle's Taxonomy of Player Types – </a:t>
-            </a:r>
-            <a:r>
-              <a:rPr lang="en-GB" dirty="0" err="1"/>
-              <a:t>tutsplus</a:t>
-            </a:r>
-            <a:r>
-              <a:rPr lang="en-GB" dirty="0"/>
-              <a:t> (2013)</a:t>
-            </a:r>
-          </a:p>
-          <a:p>
-            <a:r>
-              <a:rPr lang="en-GB" dirty="0"/>
-              <a:t>		- Gamified (2013)</a:t>
-            </a:r>
-          </a:p>
-          <a:p>
-            <a:r>
-              <a:rPr lang="en-GB" dirty="0"/>
-              <a:t>Nicola </a:t>
-            </a:r>
-            <a:r>
-              <a:rPr lang="en-GB" dirty="0" err="1"/>
-              <a:t>lazarro</a:t>
-            </a:r>
-            <a:endParaRPr lang="en-GB" dirty="0"/>
-          </a:p>
-          <a:p>
-            <a:endParaRPr lang="en-GB" dirty="0"/>
-          </a:p>
-          <a:p>
-            <a:r>
-              <a:rPr lang="en-GB" dirty="0"/>
-              <a:t>LeBlanc’s Taxonomy of Game Pleasures</a:t>
-            </a:r>
-          </a:p>
-          <a:p>
-            <a:endParaRPr lang="en-GB" dirty="0"/>
-          </a:p>
-          <a:p>
-            <a:r>
-              <a:rPr lang="en-GB" dirty="0"/>
-              <a:t>Flow state anxiety/boredom</a:t>
-            </a:r>
           </a:p>
         </p:txBody>
       </p:sp>
@@ -611,7 +551,7 @@
           <a:p>
             <a:fld id="{D2D979B0-7472-4D3E-A25E-09420CBF4A81}" type="slidenum">
               <a:rPr lang="en-GB" smtClean="0"/>
-              <a:t>19</a:t>
+              <a:t>22</a:t>
             </a:fld>
             <a:endParaRPr lang="en-GB"/>
           </a:p>
@@ -5059,6 +4999,285 @@
           <p:cNvPr id="2" name="Title 1">
             <a:extLst>
               <a:ext uri="{FF2B5EF4-FFF2-40B4-BE49-F238E27FC236}">
+                <a16:creationId xmlns:a16="http://schemas.microsoft.com/office/drawing/2014/main" id="{B1A6A9EB-5EB6-403C-9127-BCF2AC72A438}"/>
+              </a:ext>
+            </a:extLst>
+          </p:cNvPr>
+          <p:cNvSpPr>
+            <a:spLocks noGrp="1"/>
+          </p:cNvSpPr>
+          <p:nvPr>
+            <p:ph type="title"/>
+          </p:nvPr>
+        </p:nvSpPr>
+        <p:spPr/>
+        <p:txBody>
+          <a:bodyPr/>
+          <a:lstStyle/>
+          <a:p>
+            <a:pPr algn="ctr"/>
+            <a:r>
+              <a:rPr lang="en-GB" dirty="0"/>
+              <a:t>Tutorial: Crow’s Nest Call Outs</a:t>
+            </a:r>
+          </a:p>
+        </p:txBody>
+      </p:sp>
+      <p:sp>
+        <p:nvSpPr>
+          <p:cNvPr id="3" name="Content Placeholder 2">
+            <a:extLst>
+              <a:ext uri="{FF2B5EF4-FFF2-40B4-BE49-F238E27FC236}">
+                <a16:creationId xmlns:a16="http://schemas.microsoft.com/office/drawing/2014/main" id="{C5C9D068-8760-43E4-BFDF-047958DE8B45}"/>
+              </a:ext>
+            </a:extLst>
+          </p:cNvPr>
+          <p:cNvSpPr>
+            <a:spLocks noGrp="1"/>
+          </p:cNvSpPr>
+          <p:nvPr>
+            <p:ph idx="1"/>
+          </p:nvPr>
+        </p:nvSpPr>
+        <p:spPr/>
+        <p:txBody>
+          <a:bodyPr/>
+          <a:lstStyle/>
+          <a:p>
+            <a:pPr marL="0" indent="0">
+              <a:buNone/>
+            </a:pPr>
+            <a:endParaRPr lang="en-GB" dirty="0"/>
+          </a:p>
+          <a:p>
+            <a:pPr marL="0" indent="0">
+              <a:buNone/>
+            </a:pPr>
+            <a:endParaRPr lang="en-GB" dirty="0"/>
+          </a:p>
+        </p:txBody>
+      </p:sp>
+    </p:spTree>
+    <p:extLst>
+      <p:ext uri="{BB962C8B-B14F-4D97-AF65-F5344CB8AC3E}">
+        <p14:creationId xmlns:p14="http://schemas.microsoft.com/office/powerpoint/2010/main" val="2179926819"/>
+      </p:ext>
+    </p:extLst>
+  </p:cSld>
+  <p:clrMapOvr>
+    <a:masterClrMapping/>
+  </p:clrMapOvr>
+</p:sld>
+</file>
+
+<file path=ppt/slides/slide11.xml><?xml version="1.0" encoding="utf-8"?>
+<p:sld xmlns:a="http://schemas.openxmlformats.org/drawingml/2006/main" xmlns:r="http://schemas.openxmlformats.org/officeDocument/2006/relationships" xmlns:p="http://schemas.openxmlformats.org/presentationml/2006/main">
+  <p:cSld>
+    <p:spTree>
+      <p:nvGrpSpPr>
+        <p:cNvPr id="1" name=""/>
+        <p:cNvGrpSpPr/>
+        <p:nvPr/>
+      </p:nvGrpSpPr>
+      <p:grpSpPr>
+        <a:xfrm>
+          <a:off x="0" y="0"/>
+          <a:ext cx="0" cy="0"/>
+          <a:chOff x="0" y="0"/>
+          <a:chExt cx="0" cy="0"/>
+        </a:xfrm>
+      </p:grpSpPr>
+      <p:sp>
+        <p:nvSpPr>
+          <p:cNvPr id="2" name="Title 1">
+            <a:extLst>
+              <a:ext uri="{FF2B5EF4-FFF2-40B4-BE49-F238E27FC236}">
+                <a16:creationId xmlns:a16="http://schemas.microsoft.com/office/drawing/2014/main" id="{B1A6A9EB-5EB6-403C-9127-BCF2AC72A438}"/>
+              </a:ext>
+            </a:extLst>
+          </p:cNvPr>
+          <p:cNvSpPr>
+            <a:spLocks noGrp="1"/>
+          </p:cNvSpPr>
+          <p:nvPr>
+            <p:ph type="title"/>
+          </p:nvPr>
+        </p:nvSpPr>
+        <p:spPr/>
+        <p:txBody>
+          <a:bodyPr/>
+          <a:lstStyle/>
+          <a:p>
+            <a:pPr algn="ctr"/>
+            <a:r>
+              <a:rPr lang="en-GB" dirty="0"/>
+              <a:t>Tutorial: Show Enemy Flag Location</a:t>
+            </a:r>
+          </a:p>
+        </p:txBody>
+      </p:sp>
+      <p:sp>
+        <p:nvSpPr>
+          <p:cNvPr id="3" name="Content Placeholder 2">
+            <a:extLst>
+              <a:ext uri="{FF2B5EF4-FFF2-40B4-BE49-F238E27FC236}">
+                <a16:creationId xmlns:a16="http://schemas.microsoft.com/office/drawing/2014/main" id="{C5C9D068-8760-43E4-BFDF-047958DE8B45}"/>
+              </a:ext>
+            </a:extLst>
+          </p:cNvPr>
+          <p:cNvSpPr>
+            <a:spLocks noGrp="1"/>
+          </p:cNvSpPr>
+          <p:nvPr>
+            <p:ph idx="1"/>
+          </p:nvPr>
+        </p:nvSpPr>
+        <p:spPr/>
+        <p:txBody>
+          <a:bodyPr/>
+          <a:lstStyle/>
+          <a:p>
+            <a:pPr marL="0" indent="0">
+              <a:buNone/>
+            </a:pPr>
+            <a:endParaRPr lang="en-GB" dirty="0"/>
+          </a:p>
+          <a:p>
+            <a:pPr marL="0" indent="0">
+              <a:buNone/>
+            </a:pPr>
+            <a:endParaRPr lang="en-GB" dirty="0"/>
+          </a:p>
+        </p:txBody>
+      </p:sp>
+    </p:spTree>
+    <p:extLst>
+      <p:ext uri="{BB962C8B-B14F-4D97-AF65-F5344CB8AC3E}">
+        <p14:creationId xmlns:p14="http://schemas.microsoft.com/office/powerpoint/2010/main" val="2885391818"/>
+      </p:ext>
+    </p:extLst>
+  </p:cSld>
+  <p:clrMapOvr>
+    <a:masterClrMapping/>
+  </p:clrMapOvr>
+</p:sld>
+</file>
+
+<file path=ppt/slides/slide12.xml><?xml version="1.0" encoding="utf-8"?>
+<p:sld xmlns:a="http://schemas.openxmlformats.org/drawingml/2006/main" xmlns:r="http://schemas.openxmlformats.org/officeDocument/2006/relationships" xmlns:p="http://schemas.openxmlformats.org/presentationml/2006/main">
+  <p:cSld>
+    <p:spTree>
+      <p:nvGrpSpPr>
+        <p:cNvPr id="1" name=""/>
+        <p:cNvGrpSpPr/>
+        <p:nvPr/>
+      </p:nvGrpSpPr>
+      <p:grpSpPr>
+        <a:xfrm>
+          <a:off x="0" y="0"/>
+          <a:ext cx="0" cy="0"/>
+          <a:chOff x="0" y="0"/>
+          <a:chExt cx="0" cy="0"/>
+        </a:xfrm>
+      </p:grpSpPr>
+      <p:sp>
+        <p:nvSpPr>
+          <p:cNvPr id="2" name="Title 1">
+            <a:extLst>
+              <a:ext uri="{FF2B5EF4-FFF2-40B4-BE49-F238E27FC236}">
+                <a16:creationId xmlns:a16="http://schemas.microsoft.com/office/drawing/2014/main" id="{B1A6A9EB-5EB6-403C-9127-BCF2AC72A438}"/>
+              </a:ext>
+            </a:extLst>
+          </p:cNvPr>
+          <p:cNvSpPr>
+            <a:spLocks noGrp="1"/>
+          </p:cNvSpPr>
+          <p:nvPr>
+            <p:ph type="title"/>
+          </p:nvPr>
+        </p:nvSpPr>
+        <p:spPr/>
+        <p:txBody>
+          <a:bodyPr/>
+          <a:lstStyle/>
+          <a:p>
+            <a:pPr algn="ctr"/>
+            <a:r>
+              <a:rPr lang="en-GB" dirty="0"/>
+              <a:t>Tutorial: Cannon Firing</a:t>
+            </a:r>
+          </a:p>
+        </p:txBody>
+      </p:sp>
+      <p:sp>
+        <p:nvSpPr>
+          <p:cNvPr id="3" name="Content Placeholder 2">
+            <a:extLst>
+              <a:ext uri="{FF2B5EF4-FFF2-40B4-BE49-F238E27FC236}">
+                <a16:creationId xmlns:a16="http://schemas.microsoft.com/office/drawing/2014/main" id="{C5C9D068-8760-43E4-BFDF-047958DE8B45}"/>
+              </a:ext>
+            </a:extLst>
+          </p:cNvPr>
+          <p:cNvSpPr>
+            <a:spLocks noGrp="1"/>
+          </p:cNvSpPr>
+          <p:nvPr>
+            <p:ph idx="1"/>
+          </p:nvPr>
+        </p:nvSpPr>
+        <p:spPr/>
+        <p:txBody>
+          <a:bodyPr/>
+          <a:lstStyle/>
+          <a:p>
+            <a:pPr marL="0" indent="0">
+              <a:buNone/>
+            </a:pPr>
+            <a:endParaRPr lang="en-GB" dirty="0"/>
+          </a:p>
+          <a:p>
+            <a:pPr marL="0" indent="0">
+              <a:buNone/>
+            </a:pPr>
+            <a:endParaRPr lang="en-GB" dirty="0"/>
+          </a:p>
+        </p:txBody>
+      </p:sp>
+    </p:spTree>
+    <p:extLst>
+      <p:ext uri="{BB962C8B-B14F-4D97-AF65-F5344CB8AC3E}">
+        <p14:creationId xmlns:p14="http://schemas.microsoft.com/office/powerpoint/2010/main" val="4109018965"/>
+      </p:ext>
+    </p:extLst>
+  </p:cSld>
+  <p:clrMapOvr>
+    <a:masterClrMapping/>
+  </p:clrMapOvr>
+</p:sld>
+</file>
+
+<file path=ppt/slides/slide13.xml><?xml version="1.0" encoding="utf-8"?>
+<p:sld xmlns:a="http://schemas.openxmlformats.org/drawingml/2006/main" xmlns:r="http://schemas.openxmlformats.org/officeDocument/2006/relationships" xmlns:p="http://schemas.openxmlformats.org/presentationml/2006/main">
+  <p:cSld>
+    <p:spTree>
+      <p:nvGrpSpPr>
+        <p:cNvPr id="1" name=""/>
+        <p:cNvGrpSpPr/>
+        <p:nvPr/>
+      </p:nvGrpSpPr>
+      <p:grpSpPr>
+        <a:xfrm>
+          <a:off x="0" y="0"/>
+          <a:ext cx="0" cy="0"/>
+          <a:chOff x="0" y="0"/>
+          <a:chExt cx="0" cy="0"/>
+        </a:xfrm>
+      </p:grpSpPr>
+      <p:sp>
+        <p:nvSpPr>
+          <p:cNvPr id="2" name="Title 1">
+            <a:extLst>
+              <a:ext uri="{FF2B5EF4-FFF2-40B4-BE49-F238E27FC236}">
                 <a16:creationId xmlns:a16="http://schemas.microsoft.com/office/drawing/2014/main" id="{FE256BD1-9C1D-4AB2-B9C9-9893889E9C67}"/>
               </a:ext>
             </a:extLst>
@@ -5136,285 +5355,6 @@
 </p:sld>
 </file>
 
-<file path=ppt/slides/slide11.xml><?xml version="1.0" encoding="utf-8"?>
-<p:sld xmlns:a="http://schemas.openxmlformats.org/drawingml/2006/main" xmlns:r="http://schemas.openxmlformats.org/officeDocument/2006/relationships" xmlns:p="http://schemas.openxmlformats.org/presentationml/2006/main">
-  <p:cSld>
-    <p:spTree>
-      <p:nvGrpSpPr>
-        <p:cNvPr id="1" name=""/>
-        <p:cNvGrpSpPr/>
-        <p:nvPr/>
-      </p:nvGrpSpPr>
-      <p:grpSpPr>
-        <a:xfrm>
-          <a:off x="0" y="0"/>
-          <a:ext cx="0" cy="0"/>
-          <a:chOff x="0" y="0"/>
-          <a:chExt cx="0" cy="0"/>
-        </a:xfrm>
-      </p:grpSpPr>
-      <p:sp>
-        <p:nvSpPr>
-          <p:cNvPr id="2" name="Title 1">
-            <a:extLst>
-              <a:ext uri="{FF2B5EF4-FFF2-40B4-BE49-F238E27FC236}">
-                <a16:creationId xmlns:a16="http://schemas.microsoft.com/office/drawing/2014/main" id="{B1A6A9EB-5EB6-403C-9127-BCF2AC72A438}"/>
-              </a:ext>
-            </a:extLst>
-          </p:cNvPr>
-          <p:cNvSpPr>
-            <a:spLocks noGrp="1"/>
-          </p:cNvSpPr>
-          <p:nvPr>
-            <p:ph type="title"/>
-          </p:nvPr>
-        </p:nvSpPr>
-        <p:spPr/>
-        <p:txBody>
-          <a:bodyPr/>
-          <a:lstStyle/>
-          <a:p>
-            <a:pPr algn="ctr"/>
-            <a:r>
-              <a:rPr lang="en-GB" dirty="0"/>
-              <a:t>Gameplay: 5 Seconds</a:t>
-            </a:r>
-          </a:p>
-        </p:txBody>
-      </p:sp>
-      <p:sp>
-        <p:nvSpPr>
-          <p:cNvPr id="3" name="Content Placeholder 2">
-            <a:extLst>
-              <a:ext uri="{FF2B5EF4-FFF2-40B4-BE49-F238E27FC236}">
-                <a16:creationId xmlns:a16="http://schemas.microsoft.com/office/drawing/2014/main" id="{C5C9D068-8760-43E4-BFDF-047958DE8B45}"/>
-              </a:ext>
-            </a:extLst>
-          </p:cNvPr>
-          <p:cNvSpPr>
-            <a:spLocks noGrp="1"/>
-          </p:cNvSpPr>
-          <p:nvPr>
-            <p:ph idx="1"/>
-          </p:nvPr>
-        </p:nvSpPr>
-        <p:spPr/>
-        <p:txBody>
-          <a:bodyPr/>
-          <a:lstStyle/>
-          <a:p>
-            <a:pPr marL="0" indent="0">
-              <a:buNone/>
-            </a:pPr>
-            <a:endParaRPr lang="en-GB" dirty="0"/>
-          </a:p>
-          <a:p>
-            <a:pPr marL="0" indent="0">
-              <a:buNone/>
-            </a:pPr>
-            <a:endParaRPr lang="en-GB" dirty="0"/>
-          </a:p>
-        </p:txBody>
-      </p:sp>
-    </p:spTree>
-    <p:extLst>
-      <p:ext uri="{BB962C8B-B14F-4D97-AF65-F5344CB8AC3E}">
-        <p14:creationId xmlns:p14="http://schemas.microsoft.com/office/powerpoint/2010/main" val="1005851661"/>
-      </p:ext>
-    </p:extLst>
-  </p:cSld>
-  <p:clrMapOvr>
-    <a:masterClrMapping/>
-  </p:clrMapOvr>
-</p:sld>
-</file>
-
-<file path=ppt/slides/slide12.xml><?xml version="1.0" encoding="utf-8"?>
-<p:sld xmlns:a="http://schemas.openxmlformats.org/drawingml/2006/main" xmlns:r="http://schemas.openxmlformats.org/officeDocument/2006/relationships" xmlns:p="http://schemas.openxmlformats.org/presentationml/2006/main">
-  <p:cSld>
-    <p:spTree>
-      <p:nvGrpSpPr>
-        <p:cNvPr id="1" name=""/>
-        <p:cNvGrpSpPr/>
-        <p:nvPr/>
-      </p:nvGrpSpPr>
-      <p:grpSpPr>
-        <a:xfrm>
-          <a:off x="0" y="0"/>
-          <a:ext cx="0" cy="0"/>
-          <a:chOff x="0" y="0"/>
-          <a:chExt cx="0" cy="0"/>
-        </a:xfrm>
-      </p:grpSpPr>
-      <p:sp>
-        <p:nvSpPr>
-          <p:cNvPr id="2" name="Title 1">
-            <a:extLst>
-              <a:ext uri="{FF2B5EF4-FFF2-40B4-BE49-F238E27FC236}">
-                <a16:creationId xmlns:a16="http://schemas.microsoft.com/office/drawing/2014/main" id="{B1A6A9EB-5EB6-403C-9127-BCF2AC72A438}"/>
-              </a:ext>
-            </a:extLst>
-          </p:cNvPr>
-          <p:cNvSpPr>
-            <a:spLocks noGrp="1"/>
-          </p:cNvSpPr>
-          <p:nvPr>
-            <p:ph type="title"/>
-          </p:nvPr>
-        </p:nvSpPr>
-        <p:spPr/>
-        <p:txBody>
-          <a:bodyPr/>
-          <a:lstStyle/>
-          <a:p>
-            <a:pPr algn="ctr"/>
-            <a:r>
-              <a:rPr lang="en-GB" dirty="0"/>
-              <a:t>Gameplay: 20 Seconds</a:t>
-            </a:r>
-          </a:p>
-        </p:txBody>
-      </p:sp>
-      <p:sp>
-        <p:nvSpPr>
-          <p:cNvPr id="3" name="Content Placeholder 2">
-            <a:extLst>
-              <a:ext uri="{FF2B5EF4-FFF2-40B4-BE49-F238E27FC236}">
-                <a16:creationId xmlns:a16="http://schemas.microsoft.com/office/drawing/2014/main" id="{C5C9D068-8760-43E4-BFDF-047958DE8B45}"/>
-              </a:ext>
-            </a:extLst>
-          </p:cNvPr>
-          <p:cNvSpPr>
-            <a:spLocks noGrp="1"/>
-          </p:cNvSpPr>
-          <p:nvPr>
-            <p:ph idx="1"/>
-          </p:nvPr>
-        </p:nvSpPr>
-        <p:spPr/>
-        <p:txBody>
-          <a:bodyPr/>
-          <a:lstStyle/>
-          <a:p>
-            <a:pPr marL="0" indent="0">
-              <a:buNone/>
-            </a:pPr>
-            <a:endParaRPr lang="en-GB" dirty="0"/>
-          </a:p>
-          <a:p>
-            <a:pPr marL="0" indent="0">
-              <a:buNone/>
-            </a:pPr>
-            <a:endParaRPr lang="en-GB" dirty="0"/>
-          </a:p>
-        </p:txBody>
-      </p:sp>
-    </p:spTree>
-    <p:extLst>
-      <p:ext uri="{BB962C8B-B14F-4D97-AF65-F5344CB8AC3E}">
-        <p14:creationId xmlns:p14="http://schemas.microsoft.com/office/powerpoint/2010/main" val="2387138648"/>
-      </p:ext>
-    </p:extLst>
-  </p:cSld>
-  <p:clrMapOvr>
-    <a:masterClrMapping/>
-  </p:clrMapOvr>
-</p:sld>
-</file>
-
-<file path=ppt/slides/slide13.xml><?xml version="1.0" encoding="utf-8"?>
-<p:sld xmlns:a="http://schemas.openxmlformats.org/drawingml/2006/main" xmlns:r="http://schemas.openxmlformats.org/officeDocument/2006/relationships" xmlns:p="http://schemas.openxmlformats.org/presentationml/2006/main">
-  <p:cSld>
-    <p:spTree>
-      <p:nvGrpSpPr>
-        <p:cNvPr id="1" name=""/>
-        <p:cNvGrpSpPr/>
-        <p:nvPr/>
-      </p:nvGrpSpPr>
-      <p:grpSpPr>
-        <a:xfrm>
-          <a:off x="0" y="0"/>
-          <a:ext cx="0" cy="0"/>
-          <a:chOff x="0" y="0"/>
-          <a:chExt cx="0" cy="0"/>
-        </a:xfrm>
-      </p:grpSpPr>
-      <p:sp>
-        <p:nvSpPr>
-          <p:cNvPr id="2" name="Title 1">
-            <a:extLst>
-              <a:ext uri="{FF2B5EF4-FFF2-40B4-BE49-F238E27FC236}">
-                <a16:creationId xmlns:a16="http://schemas.microsoft.com/office/drawing/2014/main" id="{B1A6A9EB-5EB6-403C-9127-BCF2AC72A438}"/>
-              </a:ext>
-            </a:extLst>
-          </p:cNvPr>
-          <p:cNvSpPr>
-            <a:spLocks noGrp="1"/>
-          </p:cNvSpPr>
-          <p:nvPr>
-            <p:ph type="title"/>
-          </p:nvPr>
-        </p:nvSpPr>
-        <p:spPr/>
-        <p:txBody>
-          <a:bodyPr/>
-          <a:lstStyle/>
-          <a:p>
-            <a:pPr algn="ctr"/>
-            <a:r>
-              <a:rPr lang="en-GB" dirty="0"/>
-              <a:t>Gameplay: 40 Seconds</a:t>
-            </a:r>
-          </a:p>
-        </p:txBody>
-      </p:sp>
-      <p:sp>
-        <p:nvSpPr>
-          <p:cNvPr id="3" name="Content Placeholder 2">
-            <a:extLst>
-              <a:ext uri="{FF2B5EF4-FFF2-40B4-BE49-F238E27FC236}">
-                <a16:creationId xmlns:a16="http://schemas.microsoft.com/office/drawing/2014/main" id="{C5C9D068-8760-43E4-BFDF-047958DE8B45}"/>
-              </a:ext>
-            </a:extLst>
-          </p:cNvPr>
-          <p:cNvSpPr>
-            <a:spLocks noGrp="1"/>
-          </p:cNvSpPr>
-          <p:nvPr>
-            <p:ph idx="1"/>
-          </p:nvPr>
-        </p:nvSpPr>
-        <p:spPr/>
-        <p:txBody>
-          <a:bodyPr/>
-          <a:lstStyle/>
-          <a:p>
-            <a:pPr marL="0" indent="0">
-              <a:buNone/>
-            </a:pPr>
-            <a:endParaRPr lang="en-GB" dirty="0"/>
-          </a:p>
-          <a:p>
-            <a:pPr marL="0" indent="0">
-              <a:buNone/>
-            </a:pPr>
-            <a:endParaRPr lang="en-GB" dirty="0"/>
-          </a:p>
-        </p:txBody>
-      </p:sp>
-    </p:spTree>
-    <p:extLst>
-      <p:ext uri="{BB962C8B-B14F-4D97-AF65-F5344CB8AC3E}">
-        <p14:creationId xmlns:p14="http://schemas.microsoft.com/office/powerpoint/2010/main" val="1246894316"/>
-      </p:ext>
-    </p:extLst>
-  </p:cSld>
-  <p:clrMapOvr>
-    <a:masterClrMapping/>
-  </p:clrMapOvr>
-</p:sld>
-</file>
-
 <file path=ppt/slides/slide14.xml><?xml version="1.0" encoding="utf-8"?>
 <p:sld xmlns:a="http://schemas.openxmlformats.org/drawingml/2006/main" xmlns:r="http://schemas.openxmlformats.org/officeDocument/2006/relationships" xmlns:p="http://schemas.openxmlformats.org/presentationml/2006/main">
   <p:cSld>
@@ -5456,7 +5396,7 @@
             <a:pPr algn="ctr"/>
             <a:r>
               <a:rPr lang="en-GB" dirty="0"/>
-              <a:t>Gameplay: 1 Minute</a:t>
+              <a:t>Gameplay: 5 Seconds</a:t>
             </a:r>
           </a:p>
         </p:txBody>
@@ -5498,7 +5438,7 @@
     </p:spTree>
     <p:extLst>
       <p:ext uri="{BB962C8B-B14F-4D97-AF65-F5344CB8AC3E}">
-        <p14:creationId xmlns:p14="http://schemas.microsoft.com/office/powerpoint/2010/main" val="2477328330"/>
+        <p14:creationId xmlns:p14="http://schemas.microsoft.com/office/powerpoint/2010/main" val="1005851661"/>
       </p:ext>
     </p:extLst>
   </p:cSld>
@@ -5549,7 +5489,7 @@
             <a:pPr algn="ctr"/>
             <a:r>
               <a:rPr lang="en-GB" dirty="0"/>
-              <a:t>Gameplay: 2 Minutes</a:t>
+              <a:t>Gameplay: 20 Seconds</a:t>
             </a:r>
           </a:p>
         </p:txBody>
@@ -5591,7 +5531,7 @@
     </p:spTree>
     <p:extLst>
       <p:ext uri="{BB962C8B-B14F-4D97-AF65-F5344CB8AC3E}">
-        <p14:creationId xmlns:p14="http://schemas.microsoft.com/office/powerpoint/2010/main" val="393393663"/>
+        <p14:creationId xmlns:p14="http://schemas.microsoft.com/office/powerpoint/2010/main" val="2387138648"/>
       </p:ext>
     </p:extLst>
   </p:cSld>
@@ -5642,6 +5582,285 @@
             <a:pPr algn="ctr"/>
             <a:r>
               <a:rPr lang="en-GB" dirty="0"/>
+              <a:t>Gameplay: 40 Seconds</a:t>
+            </a:r>
+          </a:p>
+        </p:txBody>
+      </p:sp>
+      <p:sp>
+        <p:nvSpPr>
+          <p:cNvPr id="3" name="Content Placeholder 2">
+            <a:extLst>
+              <a:ext uri="{FF2B5EF4-FFF2-40B4-BE49-F238E27FC236}">
+                <a16:creationId xmlns:a16="http://schemas.microsoft.com/office/drawing/2014/main" id="{C5C9D068-8760-43E4-BFDF-047958DE8B45}"/>
+              </a:ext>
+            </a:extLst>
+          </p:cNvPr>
+          <p:cNvSpPr>
+            <a:spLocks noGrp="1"/>
+          </p:cNvSpPr>
+          <p:nvPr>
+            <p:ph idx="1"/>
+          </p:nvPr>
+        </p:nvSpPr>
+        <p:spPr/>
+        <p:txBody>
+          <a:bodyPr/>
+          <a:lstStyle/>
+          <a:p>
+            <a:pPr marL="0" indent="0">
+              <a:buNone/>
+            </a:pPr>
+            <a:endParaRPr lang="en-GB" dirty="0"/>
+          </a:p>
+          <a:p>
+            <a:pPr marL="0" indent="0">
+              <a:buNone/>
+            </a:pPr>
+            <a:endParaRPr lang="en-GB" dirty="0"/>
+          </a:p>
+        </p:txBody>
+      </p:sp>
+    </p:spTree>
+    <p:extLst>
+      <p:ext uri="{BB962C8B-B14F-4D97-AF65-F5344CB8AC3E}">
+        <p14:creationId xmlns:p14="http://schemas.microsoft.com/office/powerpoint/2010/main" val="1246894316"/>
+      </p:ext>
+    </p:extLst>
+  </p:cSld>
+  <p:clrMapOvr>
+    <a:masterClrMapping/>
+  </p:clrMapOvr>
+</p:sld>
+</file>
+
+<file path=ppt/slides/slide17.xml><?xml version="1.0" encoding="utf-8"?>
+<p:sld xmlns:a="http://schemas.openxmlformats.org/drawingml/2006/main" xmlns:r="http://schemas.openxmlformats.org/officeDocument/2006/relationships" xmlns:p="http://schemas.openxmlformats.org/presentationml/2006/main">
+  <p:cSld>
+    <p:spTree>
+      <p:nvGrpSpPr>
+        <p:cNvPr id="1" name=""/>
+        <p:cNvGrpSpPr/>
+        <p:nvPr/>
+      </p:nvGrpSpPr>
+      <p:grpSpPr>
+        <a:xfrm>
+          <a:off x="0" y="0"/>
+          <a:ext cx="0" cy="0"/>
+          <a:chOff x="0" y="0"/>
+          <a:chExt cx="0" cy="0"/>
+        </a:xfrm>
+      </p:grpSpPr>
+      <p:sp>
+        <p:nvSpPr>
+          <p:cNvPr id="2" name="Title 1">
+            <a:extLst>
+              <a:ext uri="{FF2B5EF4-FFF2-40B4-BE49-F238E27FC236}">
+                <a16:creationId xmlns:a16="http://schemas.microsoft.com/office/drawing/2014/main" id="{B1A6A9EB-5EB6-403C-9127-BCF2AC72A438}"/>
+              </a:ext>
+            </a:extLst>
+          </p:cNvPr>
+          <p:cNvSpPr>
+            <a:spLocks noGrp="1"/>
+          </p:cNvSpPr>
+          <p:nvPr>
+            <p:ph type="title"/>
+          </p:nvPr>
+        </p:nvSpPr>
+        <p:spPr/>
+        <p:txBody>
+          <a:bodyPr/>
+          <a:lstStyle/>
+          <a:p>
+            <a:pPr algn="ctr"/>
+            <a:r>
+              <a:rPr lang="en-GB" dirty="0"/>
+              <a:t>Gameplay: 1 Minute</a:t>
+            </a:r>
+          </a:p>
+        </p:txBody>
+      </p:sp>
+      <p:sp>
+        <p:nvSpPr>
+          <p:cNvPr id="3" name="Content Placeholder 2">
+            <a:extLst>
+              <a:ext uri="{FF2B5EF4-FFF2-40B4-BE49-F238E27FC236}">
+                <a16:creationId xmlns:a16="http://schemas.microsoft.com/office/drawing/2014/main" id="{C5C9D068-8760-43E4-BFDF-047958DE8B45}"/>
+              </a:ext>
+            </a:extLst>
+          </p:cNvPr>
+          <p:cNvSpPr>
+            <a:spLocks noGrp="1"/>
+          </p:cNvSpPr>
+          <p:nvPr>
+            <p:ph idx="1"/>
+          </p:nvPr>
+        </p:nvSpPr>
+        <p:spPr/>
+        <p:txBody>
+          <a:bodyPr/>
+          <a:lstStyle/>
+          <a:p>
+            <a:pPr marL="0" indent="0">
+              <a:buNone/>
+            </a:pPr>
+            <a:endParaRPr lang="en-GB" dirty="0"/>
+          </a:p>
+          <a:p>
+            <a:pPr marL="0" indent="0">
+              <a:buNone/>
+            </a:pPr>
+            <a:endParaRPr lang="en-GB" dirty="0"/>
+          </a:p>
+        </p:txBody>
+      </p:sp>
+    </p:spTree>
+    <p:extLst>
+      <p:ext uri="{BB962C8B-B14F-4D97-AF65-F5344CB8AC3E}">
+        <p14:creationId xmlns:p14="http://schemas.microsoft.com/office/powerpoint/2010/main" val="2477328330"/>
+      </p:ext>
+    </p:extLst>
+  </p:cSld>
+  <p:clrMapOvr>
+    <a:masterClrMapping/>
+  </p:clrMapOvr>
+</p:sld>
+</file>
+
+<file path=ppt/slides/slide18.xml><?xml version="1.0" encoding="utf-8"?>
+<p:sld xmlns:a="http://schemas.openxmlformats.org/drawingml/2006/main" xmlns:r="http://schemas.openxmlformats.org/officeDocument/2006/relationships" xmlns:p="http://schemas.openxmlformats.org/presentationml/2006/main">
+  <p:cSld>
+    <p:spTree>
+      <p:nvGrpSpPr>
+        <p:cNvPr id="1" name=""/>
+        <p:cNvGrpSpPr/>
+        <p:nvPr/>
+      </p:nvGrpSpPr>
+      <p:grpSpPr>
+        <a:xfrm>
+          <a:off x="0" y="0"/>
+          <a:ext cx="0" cy="0"/>
+          <a:chOff x="0" y="0"/>
+          <a:chExt cx="0" cy="0"/>
+        </a:xfrm>
+      </p:grpSpPr>
+      <p:sp>
+        <p:nvSpPr>
+          <p:cNvPr id="2" name="Title 1">
+            <a:extLst>
+              <a:ext uri="{FF2B5EF4-FFF2-40B4-BE49-F238E27FC236}">
+                <a16:creationId xmlns:a16="http://schemas.microsoft.com/office/drawing/2014/main" id="{B1A6A9EB-5EB6-403C-9127-BCF2AC72A438}"/>
+              </a:ext>
+            </a:extLst>
+          </p:cNvPr>
+          <p:cNvSpPr>
+            <a:spLocks noGrp="1"/>
+          </p:cNvSpPr>
+          <p:nvPr>
+            <p:ph type="title"/>
+          </p:nvPr>
+        </p:nvSpPr>
+        <p:spPr/>
+        <p:txBody>
+          <a:bodyPr/>
+          <a:lstStyle/>
+          <a:p>
+            <a:pPr algn="ctr"/>
+            <a:r>
+              <a:rPr lang="en-GB" dirty="0"/>
+              <a:t>Gameplay: 2 Minutes</a:t>
+            </a:r>
+          </a:p>
+        </p:txBody>
+      </p:sp>
+      <p:sp>
+        <p:nvSpPr>
+          <p:cNvPr id="3" name="Content Placeholder 2">
+            <a:extLst>
+              <a:ext uri="{FF2B5EF4-FFF2-40B4-BE49-F238E27FC236}">
+                <a16:creationId xmlns:a16="http://schemas.microsoft.com/office/drawing/2014/main" id="{C5C9D068-8760-43E4-BFDF-047958DE8B45}"/>
+              </a:ext>
+            </a:extLst>
+          </p:cNvPr>
+          <p:cNvSpPr>
+            <a:spLocks noGrp="1"/>
+          </p:cNvSpPr>
+          <p:nvPr>
+            <p:ph idx="1"/>
+          </p:nvPr>
+        </p:nvSpPr>
+        <p:spPr/>
+        <p:txBody>
+          <a:bodyPr/>
+          <a:lstStyle/>
+          <a:p>
+            <a:pPr marL="0" indent="0">
+              <a:buNone/>
+            </a:pPr>
+            <a:endParaRPr lang="en-GB" dirty="0"/>
+          </a:p>
+          <a:p>
+            <a:pPr marL="0" indent="0">
+              <a:buNone/>
+            </a:pPr>
+            <a:endParaRPr lang="en-GB" dirty="0"/>
+          </a:p>
+        </p:txBody>
+      </p:sp>
+    </p:spTree>
+    <p:extLst>
+      <p:ext uri="{BB962C8B-B14F-4D97-AF65-F5344CB8AC3E}">
+        <p14:creationId xmlns:p14="http://schemas.microsoft.com/office/powerpoint/2010/main" val="393393663"/>
+      </p:ext>
+    </p:extLst>
+  </p:cSld>
+  <p:clrMapOvr>
+    <a:masterClrMapping/>
+  </p:clrMapOvr>
+</p:sld>
+</file>
+
+<file path=ppt/slides/slide19.xml><?xml version="1.0" encoding="utf-8"?>
+<p:sld xmlns:a="http://schemas.openxmlformats.org/drawingml/2006/main" xmlns:r="http://schemas.openxmlformats.org/officeDocument/2006/relationships" xmlns:p="http://schemas.openxmlformats.org/presentationml/2006/main">
+  <p:cSld>
+    <p:spTree>
+      <p:nvGrpSpPr>
+        <p:cNvPr id="1" name=""/>
+        <p:cNvGrpSpPr/>
+        <p:nvPr/>
+      </p:nvGrpSpPr>
+      <p:grpSpPr>
+        <a:xfrm>
+          <a:off x="0" y="0"/>
+          <a:ext cx="0" cy="0"/>
+          <a:chOff x="0" y="0"/>
+          <a:chExt cx="0" cy="0"/>
+        </a:xfrm>
+      </p:grpSpPr>
+      <p:sp>
+        <p:nvSpPr>
+          <p:cNvPr id="2" name="Title 1">
+            <a:extLst>
+              <a:ext uri="{FF2B5EF4-FFF2-40B4-BE49-F238E27FC236}">
+                <a16:creationId xmlns:a16="http://schemas.microsoft.com/office/drawing/2014/main" id="{B1A6A9EB-5EB6-403C-9127-BCF2AC72A438}"/>
+              </a:ext>
+            </a:extLst>
+          </p:cNvPr>
+          <p:cNvSpPr>
+            <a:spLocks noGrp="1"/>
+          </p:cNvSpPr>
+          <p:nvPr>
+            <p:ph type="title"/>
+          </p:nvPr>
+        </p:nvSpPr>
+        <p:spPr/>
+        <p:txBody>
+          <a:bodyPr/>
+          <a:lstStyle/>
+          <a:p>
+            <a:pPr algn="ctr"/>
+            <a:r>
+              <a:rPr lang="en-GB" dirty="0"/>
               <a:t>Gameplay: 5 Minutes</a:t>
             </a:r>
           </a:p>
@@ -5694,7 +5913,100 @@
 </p:sld>
 </file>
 
-<file path=ppt/slides/slide17.xml><?xml version="1.0" encoding="utf-8"?>
+<file path=ppt/slides/slide2.xml><?xml version="1.0" encoding="utf-8"?>
+<p:sld xmlns:a="http://schemas.openxmlformats.org/drawingml/2006/main" xmlns:r="http://schemas.openxmlformats.org/officeDocument/2006/relationships" xmlns:p="http://schemas.openxmlformats.org/presentationml/2006/main">
+  <p:cSld>
+    <p:spTree>
+      <p:nvGrpSpPr>
+        <p:cNvPr id="1" name=""/>
+        <p:cNvGrpSpPr/>
+        <p:nvPr/>
+      </p:nvGrpSpPr>
+      <p:grpSpPr>
+        <a:xfrm>
+          <a:off x="0" y="0"/>
+          <a:ext cx="0" cy="0"/>
+          <a:chOff x="0" y="0"/>
+          <a:chExt cx="0" cy="0"/>
+        </a:xfrm>
+      </p:grpSpPr>
+      <p:sp>
+        <p:nvSpPr>
+          <p:cNvPr id="2" name="Title 1">
+            <a:extLst>
+              <a:ext uri="{FF2B5EF4-FFF2-40B4-BE49-F238E27FC236}">
+                <a16:creationId xmlns:a16="http://schemas.microsoft.com/office/drawing/2014/main" id="{B1A6A9EB-5EB6-403C-9127-BCF2AC72A438}"/>
+              </a:ext>
+            </a:extLst>
+          </p:cNvPr>
+          <p:cNvSpPr>
+            <a:spLocks noGrp="1"/>
+          </p:cNvSpPr>
+          <p:nvPr>
+            <p:ph type="title"/>
+          </p:nvPr>
+        </p:nvSpPr>
+        <p:spPr/>
+        <p:txBody>
+          <a:bodyPr/>
+          <a:lstStyle/>
+          <a:p>
+            <a:pPr algn="ctr"/>
+            <a:r>
+              <a:rPr lang="en-GB" dirty="0"/>
+              <a:t>Logline</a:t>
+            </a:r>
+          </a:p>
+        </p:txBody>
+      </p:sp>
+      <p:sp>
+        <p:nvSpPr>
+          <p:cNvPr id="3" name="Content Placeholder 2">
+            <a:extLst>
+              <a:ext uri="{FF2B5EF4-FFF2-40B4-BE49-F238E27FC236}">
+                <a16:creationId xmlns:a16="http://schemas.microsoft.com/office/drawing/2014/main" id="{C5C9D068-8760-43E4-BFDF-047958DE8B45}"/>
+              </a:ext>
+            </a:extLst>
+          </p:cNvPr>
+          <p:cNvSpPr>
+            <a:spLocks noGrp="1"/>
+          </p:cNvSpPr>
+          <p:nvPr>
+            <p:ph idx="1"/>
+          </p:nvPr>
+        </p:nvSpPr>
+        <p:spPr/>
+        <p:txBody>
+          <a:bodyPr/>
+          <a:lstStyle/>
+          <a:p>
+            <a:pPr marL="0" indent="0">
+              <a:buNone/>
+            </a:pPr>
+            <a:endParaRPr lang="en-GB" dirty="0"/>
+          </a:p>
+          <a:p>
+            <a:pPr marL="0" indent="0">
+              <a:buNone/>
+            </a:pPr>
+            <a:endParaRPr lang="en-GB" dirty="0"/>
+          </a:p>
+        </p:txBody>
+      </p:sp>
+    </p:spTree>
+    <p:extLst>
+      <p:ext uri="{BB962C8B-B14F-4D97-AF65-F5344CB8AC3E}">
+        <p14:creationId xmlns:p14="http://schemas.microsoft.com/office/powerpoint/2010/main" val="1874584471"/>
+      </p:ext>
+    </p:extLst>
+  </p:cSld>
+  <p:clrMapOvr>
+    <a:masterClrMapping/>
+  </p:clrMapOvr>
+</p:sld>
+</file>
+
+<file path=ppt/slides/slide20.xml><?xml version="1.0" encoding="utf-8"?>
 <p:sld xmlns:a="http://schemas.openxmlformats.org/drawingml/2006/main" xmlns:r="http://schemas.openxmlformats.org/officeDocument/2006/relationships" xmlns:p="http://schemas.openxmlformats.org/presentationml/2006/main">
   <p:cSld>
     <p:spTree>
@@ -5800,7 +6112,7 @@
 </p:sld>
 </file>
 
-<file path=ppt/slides/slide18.xml><?xml version="1.0" encoding="utf-8"?>
+<file path=ppt/slides/slide21.xml><?xml version="1.0" encoding="utf-8"?>
 <p:sld xmlns:a="http://schemas.openxmlformats.org/drawingml/2006/main" xmlns:r="http://schemas.openxmlformats.org/officeDocument/2006/relationships" xmlns:p="http://schemas.openxmlformats.org/presentationml/2006/main">
   <p:cSld>
     <p:spTree>
@@ -5943,7 +6255,7 @@
 </p:sld>
 </file>
 
-<file path=ppt/slides/slide19.xml><?xml version="1.0" encoding="utf-8"?>
+<file path=ppt/slides/slide22.xml><?xml version="1.0" encoding="utf-8"?>
 <p:sld xmlns:a="http://schemas.openxmlformats.org/drawingml/2006/main" xmlns:r="http://schemas.openxmlformats.org/officeDocument/2006/relationships" xmlns:p="http://schemas.openxmlformats.org/presentationml/2006/main">
   <p:cSld>
     <p:spTree>
@@ -6000,99 +6312,6 @@
     <p:extLst>
       <p:ext uri="{BB962C8B-B14F-4D97-AF65-F5344CB8AC3E}">
         <p14:creationId xmlns:p14="http://schemas.microsoft.com/office/powerpoint/2010/main" val="3448417942"/>
-      </p:ext>
-    </p:extLst>
-  </p:cSld>
-  <p:clrMapOvr>
-    <a:masterClrMapping/>
-  </p:clrMapOvr>
-</p:sld>
-</file>
-
-<file path=ppt/slides/slide2.xml><?xml version="1.0" encoding="utf-8"?>
-<p:sld xmlns:a="http://schemas.openxmlformats.org/drawingml/2006/main" xmlns:r="http://schemas.openxmlformats.org/officeDocument/2006/relationships" xmlns:p="http://schemas.openxmlformats.org/presentationml/2006/main">
-  <p:cSld>
-    <p:spTree>
-      <p:nvGrpSpPr>
-        <p:cNvPr id="1" name=""/>
-        <p:cNvGrpSpPr/>
-        <p:nvPr/>
-      </p:nvGrpSpPr>
-      <p:grpSpPr>
-        <a:xfrm>
-          <a:off x="0" y="0"/>
-          <a:ext cx="0" cy="0"/>
-          <a:chOff x="0" y="0"/>
-          <a:chExt cx="0" cy="0"/>
-        </a:xfrm>
-      </p:grpSpPr>
-      <p:sp>
-        <p:nvSpPr>
-          <p:cNvPr id="2" name="Title 1">
-            <a:extLst>
-              <a:ext uri="{FF2B5EF4-FFF2-40B4-BE49-F238E27FC236}">
-                <a16:creationId xmlns:a16="http://schemas.microsoft.com/office/drawing/2014/main" id="{B1A6A9EB-5EB6-403C-9127-BCF2AC72A438}"/>
-              </a:ext>
-            </a:extLst>
-          </p:cNvPr>
-          <p:cNvSpPr>
-            <a:spLocks noGrp="1"/>
-          </p:cNvSpPr>
-          <p:nvPr>
-            <p:ph type="title"/>
-          </p:nvPr>
-        </p:nvSpPr>
-        <p:spPr/>
-        <p:txBody>
-          <a:bodyPr/>
-          <a:lstStyle/>
-          <a:p>
-            <a:pPr algn="ctr"/>
-            <a:r>
-              <a:rPr lang="en-GB" dirty="0"/>
-              <a:t>Tutorial: Start Mock UP</a:t>
-            </a:r>
-          </a:p>
-        </p:txBody>
-      </p:sp>
-      <p:sp>
-        <p:nvSpPr>
-          <p:cNvPr id="3" name="Content Placeholder 2">
-            <a:extLst>
-              <a:ext uri="{FF2B5EF4-FFF2-40B4-BE49-F238E27FC236}">
-                <a16:creationId xmlns:a16="http://schemas.microsoft.com/office/drawing/2014/main" id="{C5C9D068-8760-43E4-BFDF-047958DE8B45}"/>
-              </a:ext>
-            </a:extLst>
-          </p:cNvPr>
-          <p:cNvSpPr>
-            <a:spLocks noGrp="1"/>
-          </p:cNvSpPr>
-          <p:nvPr>
-            <p:ph idx="1"/>
-          </p:nvPr>
-        </p:nvSpPr>
-        <p:spPr/>
-        <p:txBody>
-          <a:bodyPr/>
-          <a:lstStyle/>
-          <a:p>
-            <a:pPr marL="0" indent="0">
-              <a:buNone/>
-            </a:pPr>
-            <a:endParaRPr lang="en-GB" dirty="0"/>
-          </a:p>
-          <a:p>
-            <a:pPr marL="0" indent="0">
-              <a:buNone/>
-            </a:pPr>
-            <a:endParaRPr lang="en-GB" dirty="0"/>
-          </a:p>
-        </p:txBody>
-      </p:sp>
-    </p:spTree>
-    <p:extLst>
-      <p:ext uri="{BB962C8B-B14F-4D97-AF65-F5344CB8AC3E}">
-        <p14:creationId xmlns:p14="http://schemas.microsoft.com/office/powerpoint/2010/main" val="1874584471"/>
       </p:ext>
     </p:extLst>
   </p:cSld>
@@ -6143,7 +6362,7 @@
             <a:pPr algn="ctr"/>
             <a:r>
               <a:rPr lang="en-GB" dirty="0"/>
-              <a:t>Tutorial: Cannonball &amp; UI</a:t>
+              <a:t>Demographic</a:t>
             </a:r>
           </a:p>
         </p:txBody>
@@ -6185,7 +6404,7 @@
     </p:spTree>
     <p:extLst>
       <p:ext uri="{BB962C8B-B14F-4D97-AF65-F5344CB8AC3E}">
-        <p14:creationId xmlns:p14="http://schemas.microsoft.com/office/powerpoint/2010/main" val="4108847660"/>
+        <p14:creationId xmlns:p14="http://schemas.microsoft.com/office/powerpoint/2010/main" val="416576239"/>
       </p:ext>
     </p:extLst>
   </p:cSld>
@@ -6236,7 +6455,7 @@
             <a:pPr algn="ctr"/>
             <a:r>
               <a:rPr lang="en-GB" dirty="0"/>
-              <a:t>Tutorial: Load Cannonball</a:t>
+              <a:t>Psychographic</a:t>
             </a:r>
           </a:p>
         </p:txBody>
@@ -6278,7 +6497,7 @@
     </p:spTree>
     <p:extLst>
       <p:ext uri="{BB962C8B-B14F-4D97-AF65-F5344CB8AC3E}">
-        <p14:creationId xmlns:p14="http://schemas.microsoft.com/office/powerpoint/2010/main" val="3016560683"/>
+        <p14:creationId xmlns:p14="http://schemas.microsoft.com/office/powerpoint/2010/main" val="3820056933"/>
       </p:ext>
     </p:extLst>
   </p:cSld>
@@ -6329,7 +6548,7 @@
             <a:pPr algn="ctr"/>
             <a:r>
               <a:rPr lang="en-GB" dirty="0"/>
-              <a:t>Tutorial: Gunpowder &amp; UI</a:t>
+              <a:t>Tutorial: Start Mock UP</a:t>
             </a:r>
           </a:p>
         </p:txBody>
@@ -6371,7 +6590,7 @@
     </p:spTree>
     <p:extLst>
       <p:ext uri="{BB962C8B-B14F-4D97-AF65-F5344CB8AC3E}">
-        <p14:creationId xmlns:p14="http://schemas.microsoft.com/office/powerpoint/2010/main" val="1763818745"/>
+        <p14:creationId xmlns:p14="http://schemas.microsoft.com/office/powerpoint/2010/main" val="1306150292"/>
       </p:ext>
     </p:extLst>
   </p:cSld>
@@ -6422,7 +6641,7 @@
             <a:pPr algn="ctr"/>
             <a:r>
               <a:rPr lang="en-GB" dirty="0"/>
-              <a:t>Tutorial: Load Gunpowder</a:t>
+              <a:t>Tutorial: Cannonball &amp; UI</a:t>
             </a:r>
           </a:p>
         </p:txBody>
@@ -6451,10 +6670,7 @@
             <a:pPr marL="0" indent="0">
               <a:buNone/>
             </a:pPr>
-            <a:r>
-              <a:rPr lang="en-GB" dirty="0"/>
-              <a:t>Tutorial Scene</a:t>
-            </a:r>
+            <a:endParaRPr lang="en-GB" dirty="0"/>
           </a:p>
           <a:p>
             <a:pPr marL="0" indent="0">
@@ -6467,7 +6683,7 @@
     </p:spTree>
     <p:extLst>
       <p:ext uri="{BB962C8B-B14F-4D97-AF65-F5344CB8AC3E}">
-        <p14:creationId xmlns:p14="http://schemas.microsoft.com/office/powerpoint/2010/main" val="2094175875"/>
+        <p14:creationId xmlns:p14="http://schemas.microsoft.com/office/powerpoint/2010/main" val="4108847660"/>
       </p:ext>
     </p:extLst>
   </p:cSld>
@@ -6518,7 +6734,7 @@
             <a:pPr algn="ctr"/>
             <a:r>
               <a:rPr lang="en-GB" dirty="0"/>
-              <a:t>Tutorial: Crow’s Nest Call Outs</a:t>
+              <a:t>Tutorial: Load Cannonball</a:t>
             </a:r>
           </a:p>
         </p:txBody>
@@ -6560,7 +6776,7 @@
     </p:spTree>
     <p:extLst>
       <p:ext uri="{BB962C8B-B14F-4D97-AF65-F5344CB8AC3E}">
-        <p14:creationId xmlns:p14="http://schemas.microsoft.com/office/powerpoint/2010/main" val="2179926819"/>
+        <p14:creationId xmlns:p14="http://schemas.microsoft.com/office/powerpoint/2010/main" val="3016560683"/>
       </p:ext>
     </p:extLst>
   </p:cSld>
@@ -6611,7 +6827,7 @@
             <a:pPr algn="ctr"/>
             <a:r>
               <a:rPr lang="en-GB" dirty="0"/>
-              <a:t>Tutorial: Show Enemy Flag Location</a:t>
+              <a:t>Tutorial: Gunpowder &amp; UI</a:t>
             </a:r>
           </a:p>
         </p:txBody>
@@ -6653,7 +6869,7 @@
     </p:spTree>
     <p:extLst>
       <p:ext uri="{BB962C8B-B14F-4D97-AF65-F5344CB8AC3E}">
-        <p14:creationId xmlns:p14="http://schemas.microsoft.com/office/powerpoint/2010/main" val="2885391818"/>
+        <p14:creationId xmlns:p14="http://schemas.microsoft.com/office/powerpoint/2010/main" val="1763818745"/>
       </p:ext>
     </p:extLst>
   </p:cSld>
@@ -6704,7 +6920,7 @@
             <a:pPr algn="ctr"/>
             <a:r>
               <a:rPr lang="en-GB" dirty="0"/>
-              <a:t>Tutorial: Cannon Firing</a:t>
+              <a:t>Tutorial: Load Gunpowder</a:t>
             </a:r>
           </a:p>
         </p:txBody>
@@ -6733,7 +6949,10 @@
             <a:pPr marL="0" indent="0">
               <a:buNone/>
             </a:pPr>
-            <a:endParaRPr lang="en-GB" dirty="0"/>
+            <a:r>
+              <a:rPr lang="en-GB" dirty="0"/>
+              <a:t>Tutorial Scene</a:t>
+            </a:r>
           </a:p>
           <a:p>
             <a:pPr marL="0" indent="0">
@@ -6746,7 +6965,7 @@
     </p:spTree>
     <p:extLst>
       <p:ext uri="{BB962C8B-B14F-4D97-AF65-F5344CB8AC3E}">
-        <p14:creationId xmlns:p14="http://schemas.microsoft.com/office/powerpoint/2010/main" val="4109018965"/>
+        <p14:creationId xmlns:p14="http://schemas.microsoft.com/office/powerpoint/2010/main" val="2094175875"/>
       </p:ext>
     </p:extLst>
   </p:cSld>
